--- a/Pengenalan Anaconda Dan VS Code Jupyter Notebook.pptx
+++ b/Pengenalan Anaconda Dan VS Code Jupyter Notebook.pptx
@@ -6380,7 +6380,7 @@
         </p:nvSpPr>
         <p:spPr>
           <a:xfrm>
-            <a:off x="270510" y="803910"/>
+            <a:off x="270510" y="822960"/>
             <a:ext cx="10044430" cy="953135"/>
           </a:xfrm>
           <a:prstGeom prst="rect">
@@ -6410,12 +6410,18 @@
             <a:pPr indent="457200"/>
             <a:r>
               <a:rPr lang="en-US" sz="1600">
+                <a:solidFill>
+                  <a:srgbClr val="FF0000"/>
+                </a:solidFill>
                 <a:latin typeface="Cascadia Mono Light" panose="020B0609020000020004" charset="0"/>
                 <a:cs typeface="Cascadia Mono Light" panose="020B0609020000020004" charset="0"/>
               </a:rPr>
               <a:t>conda create --name BelajarOpenCV python=3.8</a:t>
             </a:r>
             <a:endParaRPr lang="en-US" sz="1600">
+              <a:solidFill>
+                <a:srgbClr val="FF0000"/>
+              </a:solidFill>
               <a:latin typeface="Cascadia Mono Light" panose="020B0609020000020004" charset="0"/>
               <a:cs typeface="Cascadia Mono Light" panose="020B0609020000020004" charset="0"/>
             </a:endParaRPr>
@@ -6582,11 +6588,22 @@
             </a:r>
             <a:r>
               <a:rPr lang="en-US" sz="1600">
+                <a:solidFill>
+                  <a:srgbClr val="FF0000"/>
+                </a:solidFill>
                 <a:latin typeface="Cascadia Mono Light" panose="020B0609020000020004" charset="0"/>
                 <a:cs typeface="Cascadia Mono Light" panose="020B0609020000020004" charset="0"/>
                 <a:sym typeface="+mn-ea"/>
               </a:rPr>
-              <a:t>conda activate BelajarOpenCV </a:t>
+              <a:t>conda activate BelajarOpenCV</a:t>
+            </a:r>
+            <a:r>
+              <a:rPr lang="en-US" sz="1600">
+                <a:latin typeface="Cascadia Mono Light" panose="020B0609020000020004" charset="0"/>
+                <a:cs typeface="Cascadia Mono Light" panose="020B0609020000020004" charset="0"/>
+                <a:sym typeface="+mn-ea"/>
+              </a:rPr>
+              <a:t> </a:t>
             </a:r>
             <a:r>
               <a:rPr lang="en-US" sz="2000">
@@ -6790,18 +6807,27 @@
             </a:br>
             <a:r>
               <a:rPr lang="en-US" sz="1600">
+                <a:solidFill>
+                  <a:srgbClr val="FF0000"/>
+                </a:solidFill>
                 <a:latin typeface="Cascadia Mono Light" panose="020B0609020000020004" charset="0"/>
                 <a:cs typeface="Cascadia Mono Light" panose="020B0609020000020004" charset="0"/>
               </a:rPr>
               <a:t>conda config --set ssl_verify no</a:t>
             </a:r>
             <a:endParaRPr lang="en-US" sz="1600">
+              <a:solidFill>
+                <a:srgbClr val="FF0000"/>
+              </a:solidFill>
               <a:latin typeface="Cascadia Mono Light" panose="020B0609020000020004" charset="0"/>
               <a:cs typeface="Cascadia Mono Light" panose="020B0609020000020004" charset="0"/>
             </a:endParaRPr>
           </a:p>
           <a:p>
             <a:endParaRPr lang="en-US" sz="1600">
+              <a:solidFill>
+                <a:srgbClr val="FF0000"/>
+              </a:solidFill>
               <a:latin typeface="Cascadia Mono Light" panose="020B0609020000020004" charset="0"/>
               <a:cs typeface="Cascadia Mono Light" panose="020B0609020000020004" charset="0"/>
             </a:endParaRPr>
@@ -6809,6 +6835,9 @@
           <a:p>
             <a:r>
               <a:rPr lang="en-US" sz="1600">
+                <a:solidFill>
+                  <a:srgbClr val="FF0000"/>
+                </a:solidFill>
                 <a:latin typeface="Cascadia Mono Light" panose="020B0609020000020004" charset="0"/>
                 <a:cs typeface="Cascadia Mono Light" panose="020B0609020000020004" charset="0"/>
               </a:rPr>
@@ -6816,12 +6845,18 @@
             </a:r>
             <a:br>
               <a:rPr lang="en-US" sz="1600">
+                <a:solidFill>
+                  <a:srgbClr val="FF0000"/>
+                </a:solidFill>
                 <a:latin typeface="Cascadia Mono Light" panose="020B0609020000020004" charset="0"/>
                 <a:cs typeface="Cascadia Mono Light" panose="020B0609020000020004" charset="0"/>
               </a:rPr>
             </a:br>
             <a:r>
               <a:rPr lang="en-US" sz="1600">
+                <a:solidFill>
+                  <a:srgbClr val="FF0000"/>
+                </a:solidFill>
                 <a:latin typeface="Cascadia Mono Light" panose="020B0609020000020004" charset="0"/>
                 <a:cs typeface="Cascadia Mono Light" panose="020B0609020000020004" charset="0"/>
               </a:rPr>
@@ -6829,6 +6864,9 @@
             </a:r>
             <a:r>
               <a:rPr lang="en-US" altLang="en-US" sz="1600">
+                <a:solidFill>
+                  <a:srgbClr val="FF0000"/>
+                </a:solidFill>
                 <a:latin typeface="Cascadia Mono Light" panose="020B0609020000020004" charset="0"/>
                 <a:cs typeface="Cascadia Mono Light" panose="020B0609020000020004" charset="0"/>
               </a:rPr>
@@ -6836,6 +6874,9 @@
             </a:r>
             <a:r>
               <a:rPr lang="en-US" sz="1600">
+                <a:solidFill>
+                  <a:srgbClr val="FF0000"/>
+                </a:solidFill>
                 <a:latin typeface="Cascadia Mono Light" panose="020B0609020000020004" charset="0"/>
                 <a:cs typeface="Cascadia Mono Light" panose="020B0609020000020004" charset="0"/>
               </a:rPr>
@@ -6843,6 +6884,9 @@
             </a:r>
             <a:r>
               <a:rPr lang="en-US" altLang="en-US" sz="1600">
+                <a:solidFill>
+                  <a:srgbClr val="FF0000"/>
+                </a:solidFill>
                 <a:latin typeface="Cascadia Mono Light" panose="020B0609020000020004" charset="0"/>
                 <a:cs typeface="Cascadia Mono Light" panose="020B0609020000020004" charset="0"/>
               </a:rPr>
@@ -6850,12 +6894,18 @@
             </a:r>
             <a:r>
               <a:rPr lang="en-US" sz="1600">
+                <a:solidFill>
+                  <a:srgbClr val="FF0000"/>
+                </a:solidFill>
                 <a:latin typeface="Cascadia Mono Light" panose="020B0609020000020004" charset="0"/>
                 <a:cs typeface="Cascadia Mono Light" panose="020B0609020000020004" charset="0"/>
               </a:rPr>
               <a:t>/master/requirements.txt</a:t>
             </a:r>
             <a:endParaRPr lang="en-US" sz="1600">
+              <a:solidFill>
+                <a:srgbClr val="FF0000"/>
+              </a:solidFill>
               <a:latin typeface="Cascadia Mono Light" panose="020B0609020000020004" charset="0"/>
               <a:cs typeface="Cascadia Mono Light" panose="020B0609020000020004" charset="0"/>
             </a:endParaRPr>
